--- a/Pics/pics.pptx
+++ b/Pics/pics.pptx
@@ -8,6 +8,7 @@
     <p:sldId id="256" r:id="rId2"/>
     <p:sldId id="257" r:id="rId3"/>
     <p:sldId id="258" r:id="rId4"/>
+    <p:sldId id="259" r:id="rId5"/>
   </p:sldIdLst>
   <p:sldSz cx="12192000" cy="6858000"/>
   <p:notesSz cx="6858000" cy="9144000"/>
@@ -106,6 +107,11 @@
       </a:defRPr>
     </a:lvl9pPr>
   </p:defaultTextStyle>
+  <p:extLst>
+    <p:ext uri="{EFAFB233-063F-42B5-8137-9DF3F51BA10A}">
+      <p15:sldGuideLst xmlns:p15="http://schemas.microsoft.com/office/powerpoint/2012/main"/>
+    </p:ext>
+  </p:extLst>
 </p:presentation>
 </file>
 
@@ -256,7 +262,7 @@
           <a:p>
             <a:fld id="{47832C24-1A2B-4BF6-9615-2D1DF87A90DF}" type="datetimeFigureOut">
               <a:rPr lang="en-US" smtClean="0"/>
-              <a:t>3/12/2021</a:t>
+              <a:t>3/15/2021</a:t>
             </a:fld>
             <a:endParaRPr lang="en-US"/>
           </a:p>
@@ -454,7 +460,7 @@
           <a:p>
             <a:fld id="{47832C24-1A2B-4BF6-9615-2D1DF87A90DF}" type="datetimeFigureOut">
               <a:rPr lang="en-US" smtClean="0"/>
-              <a:t>3/12/2021</a:t>
+              <a:t>3/15/2021</a:t>
             </a:fld>
             <a:endParaRPr lang="en-US"/>
           </a:p>
@@ -662,7 +668,7 @@
           <a:p>
             <a:fld id="{47832C24-1A2B-4BF6-9615-2D1DF87A90DF}" type="datetimeFigureOut">
               <a:rPr lang="en-US" smtClean="0"/>
-              <a:t>3/12/2021</a:t>
+              <a:t>3/15/2021</a:t>
             </a:fld>
             <a:endParaRPr lang="en-US"/>
           </a:p>
@@ -860,7 +866,7 @@
           <a:p>
             <a:fld id="{47832C24-1A2B-4BF6-9615-2D1DF87A90DF}" type="datetimeFigureOut">
               <a:rPr lang="en-US" smtClean="0"/>
-              <a:t>3/12/2021</a:t>
+              <a:t>3/15/2021</a:t>
             </a:fld>
             <a:endParaRPr lang="en-US"/>
           </a:p>
@@ -1135,7 +1141,7 @@
           <a:p>
             <a:fld id="{47832C24-1A2B-4BF6-9615-2D1DF87A90DF}" type="datetimeFigureOut">
               <a:rPr lang="en-US" smtClean="0"/>
-              <a:t>3/12/2021</a:t>
+              <a:t>3/15/2021</a:t>
             </a:fld>
             <a:endParaRPr lang="en-US"/>
           </a:p>
@@ -1400,7 +1406,7 @@
           <a:p>
             <a:fld id="{47832C24-1A2B-4BF6-9615-2D1DF87A90DF}" type="datetimeFigureOut">
               <a:rPr lang="en-US" smtClean="0"/>
-              <a:t>3/12/2021</a:t>
+              <a:t>3/15/2021</a:t>
             </a:fld>
             <a:endParaRPr lang="en-US"/>
           </a:p>
@@ -1812,7 +1818,7 @@
           <a:p>
             <a:fld id="{47832C24-1A2B-4BF6-9615-2D1DF87A90DF}" type="datetimeFigureOut">
               <a:rPr lang="en-US" smtClean="0"/>
-              <a:t>3/12/2021</a:t>
+              <a:t>3/15/2021</a:t>
             </a:fld>
             <a:endParaRPr lang="en-US"/>
           </a:p>
@@ -1953,7 +1959,7 @@
           <a:p>
             <a:fld id="{47832C24-1A2B-4BF6-9615-2D1DF87A90DF}" type="datetimeFigureOut">
               <a:rPr lang="en-US" smtClean="0"/>
-              <a:t>3/12/2021</a:t>
+              <a:t>3/15/2021</a:t>
             </a:fld>
             <a:endParaRPr lang="en-US"/>
           </a:p>
@@ -2066,7 +2072,7 @@
           <a:p>
             <a:fld id="{47832C24-1A2B-4BF6-9615-2D1DF87A90DF}" type="datetimeFigureOut">
               <a:rPr lang="en-US" smtClean="0"/>
-              <a:t>3/12/2021</a:t>
+              <a:t>3/15/2021</a:t>
             </a:fld>
             <a:endParaRPr lang="en-US"/>
           </a:p>
@@ -2377,7 +2383,7 @@
           <a:p>
             <a:fld id="{47832C24-1A2B-4BF6-9615-2D1DF87A90DF}" type="datetimeFigureOut">
               <a:rPr lang="en-US" smtClean="0"/>
-              <a:t>3/12/2021</a:t>
+              <a:t>3/15/2021</a:t>
             </a:fld>
             <a:endParaRPr lang="en-US"/>
           </a:p>
@@ -2665,7 +2671,7 @@
           <a:p>
             <a:fld id="{47832C24-1A2B-4BF6-9615-2D1DF87A90DF}" type="datetimeFigureOut">
               <a:rPr lang="en-US" smtClean="0"/>
-              <a:t>3/12/2021</a:t>
+              <a:t>3/15/2021</a:t>
             </a:fld>
             <a:endParaRPr lang="en-US"/>
           </a:p>
@@ -2906,7 +2912,7 @@
           <a:p>
             <a:fld id="{47832C24-1A2B-4BF6-9615-2D1DF87A90DF}" type="datetimeFigureOut">
               <a:rPr lang="en-US" smtClean="0"/>
-              <a:t>3/12/2021</a:t>
+              <a:t>3/15/2021</a:t>
             </a:fld>
             <a:endParaRPr lang="en-US"/>
           </a:p>
@@ -8680,6 +8686,1073 @@
 </p:sld>
 </file>
 
+<file path=ppt/slides/slide4.xml><?xml version="1.0" encoding="utf-8"?>
+<p:sld xmlns:a="http://schemas.openxmlformats.org/drawingml/2006/main" xmlns:r="http://schemas.openxmlformats.org/officeDocument/2006/relationships" xmlns:p="http://schemas.openxmlformats.org/presentationml/2006/main">
+  <p:cSld>
+    <p:spTree>
+      <p:nvGrpSpPr>
+        <p:cNvPr id="1" name=""/>
+        <p:cNvGrpSpPr/>
+        <p:nvPr/>
+      </p:nvGrpSpPr>
+      <p:grpSpPr>
+        <a:xfrm>
+          <a:off x="0" y="0"/>
+          <a:ext cx="0" cy="0"/>
+          <a:chOff x="0" y="0"/>
+          <a:chExt cx="0" cy="0"/>
+        </a:xfrm>
+      </p:grpSpPr>
+      <p:graphicFrame>
+        <p:nvGraphicFramePr>
+          <p:cNvPr id="4" name="Table 4">
+            <a:extLst>
+              <a:ext uri="{FF2B5EF4-FFF2-40B4-BE49-F238E27FC236}">
+                <a16:creationId xmlns:a16="http://schemas.microsoft.com/office/drawing/2014/main" id="{29134270-1189-416F-9535-350592491352}"/>
+              </a:ext>
+            </a:extLst>
+          </p:cNvPr>
+          <p:cNvGraphicFramePr>
+            <a:graphicFrameLocks noGrp="1"/>
+          </p:cNvGraphicFramePr>
+          <p:nvPr/>
+        </p:nvGraphicFramePr>
+        <p:xfrm>
+          <a:off x="762552" y="1107661"/>
+          <a:ext cx="2708965" cy="3708400"/>
+        </p:xfrm>
+        <a:graphic>
+          <a:graphicData uri="http://schemas.openxmlformats.org/drawingml/2006/table">
+            <a:tbl>
+              <a:tblPr firstRow="1" bandRow="1">
+                <a:tableStyleId>{7E9639D4-E3E2-4D34-9284-5A2195B3D0D7}</a:tableStyleId>
+              </a:tblPr>
+              <a:tblGrid>
+                <a:gridCol w="770835">
+                  <a:extLst>
+                    <a:ext uri="{9D8B030D-6E8A-4147-A177-3AD203B41FA5}">
+                      <a16:colId xmlns:a16="http://schemas.microsoft.com/office/drawing/2014/main" val="1932181827"/>
+                    </a:ext>
+                  </a:extLst>
+                </a:gridCol>
+                <a:gridCol w="1113182">
+                  <a:extLst>
+                    <a:ext uri="{9D8B030D-6E8A-4147-A177-3AD203B41FA5}">
+                      <a16:colId xmlns:a16="http://schemas.microsoft.com/office/drawing/2014/main" val="3852926354"/>
+                    </a:ext>
+                  </a:extLst>
+                </a:gridCol>
+                <a:gridCol w="824948">
+                  <a:extLst>
+                    <a:ext uri="{9D8B030D-6E8A-4147-A177-3AD203B41FA5}">
+                      <a16:colId xmlns:a16="http://schemas.microsoft.com/office/drawing/2014/main" val="1794018741"/>
+                    </a:ext>
+                  </a:extLst>
+                </a:gridCol>
+              </a:tblGrid>
+              <a:tr h="370840">
+                <a:tc>
+                  <a:txBody>
+                    <a:bodyPr/>
+                    <a:lstStyle/>
+                    <a:p>
+                      <a:r>
+                        <a:rPr lang="en-US" dirty="0"/>
+                        <a:t>Name</a:t>
+                      </a:r>
+                    </a:p>
+                  </a:txBody>
+                  <a:tcPr/>
+                </a:tc>
+                <a:tc>
+                  <a:txBody>
+                    <a:bodyPr/>
+                    <a:lstStyle/>
+                    <a:p>
+                      <a:r>
+                        <a:rPr lang="en-US" dirty="0"/>
+                        <a:t>Discipline</a:t>
+                      </a:r>
+                    </a:p>
+                  </a:txBody>
+                  <a:tcPr/>
+                </a:tc>
+                <a:tc>
+                  <a:txBody>
+                    <a:bodyPr/>
+                    <a:lstStyle/>
+                    <a:p>
+                      <a:r>
+                        <a:rPr lang="en-US" dirty="0"/>
+                        <a:t>Score</a:t>
+                      </a:r>
+                    </a:p>
+                  </a:txBody>
+                  <a:tcPr/>
+                </a:tc>
+                <a:extLst>
+                  <a:ext uri="{0D108BD9-81ED-4DB2-BD59-A6C34878D82A}">
+                    <a16:rowId xmlns:a16="http://schemas.microsoft.com/office/drawing/2014/main" val="186318127"/>
+                  </a:ext>
+                </a:extLst>
+              </a:tr>
+              <a:tr h="370840">
+                <a:tc>
+                  <a:txBody>
+                    <a:bodyPr/>
+                    <a:lstStyle/>
+                    <a:p>
+                      <a:r>
+                        <a:rPr lang="en-US" dirty="0"/>
+                        <a:t>A</a:t>
+                      </a:r>
+                    </a:p>
+                  </a:txBody>
+                  <a:tcPr>
+                    <a:solidFill>
+                      <a:srgbClr val="FFFF00"/>
+                    </a:solidFill>
+                  </a:tcPr>
+                </a:tc>
+                <a:tc>
+                  <a:txBody>
+                    <a:bodyPr/>
+                    <a:lstStyle/>
+                    <a:p>
+                      <a:r>
+                        <a:rPr lang="en-US" dirty="0"/>
+                        <a:t>Math</a:t>
+                      </a:r>
+                    </a:p>
+                  </a:txBody>
+                  <a:tcPr>
+                    <a:solidFill>
+                      <a:srgbClr val="FFFF00"/>
+                    </a:solidFill>
+                  </a:tcPr>
+                </a:tc>
+                <a:tc>
+                  <a:txBody>
+                    <a:bodyPr/>
+                    <a:lstStyle/>
+                    <a:p>
+                      <a:r>
+                        <a:rPr lang="en-US" dirty="0"/>
+                        <a:t>87</a:t>
+                      </a:r>
+                    </a:p>
+                  </a:txBody>
+                  <a:tcPr>
+                    <a:solidFill>
+                      <a:srgbClr val="FFFF00"/>
+                    </a:solidFill>
+                  </a:tcPr>
+                </a:tc>
+                <a:extLst>
+                  <a:ext uri="{0D108BD9-81ED-4DB2-BD59-A6C34878D82A}">
+                    <a16:rowId xmlns:a16="http://schemas.microsoft.com/office/drawing/2014/main" val="3019183045"/>
+                  </a:ext>
+                </a:extLst>
+              </a:tr>
+              <a:tr h="370840">
+                <a:tc>
+                  <a:txBody>
+                    <a:bodyPr/>
+                    <a:lstStyle/>
+                    <a:p>
+                      <a:r>
+                        <a:rPr lang="en-US" dirty="0"/>
+                        <a:t>B</a:t>
+                      </a:r>
+                    </a:p>
+                  </a:txBody>
+                  <a:tcPr>
+                    <a:solidFill>
+                      <a:srgbClr val="92D050"/>
+                    </a:solidFill>
+                  </a:tcPr>
+                </a:tc>
+                <a:tc>
+                  <a:txBody>
+                    <a:bodyPr/>
+                    <a:lstStyle/>
+                    <a:p>
+                      <a:r>
+                        <a:rPr lang="en-US" dirty="0"/>
+                        <a:t>Math</a:t>
+                      </a:r>
+                    </a:p>
+                  </a:txBody>
+                  <a:tcPr>
+                    <a:solidFill>
+                      <a:srgbClr val="92D050"/>
+                    </a:solidFill>
+                  </a:tcPr>
+                </a:tc>
+                <a:tc>
+                  <a:txBody>
+                    <a:bodyPr/>
+                    <a:lstStyle/>
+                    <a:p>
+                      <a:r>
+                        <a:rPr lang="en-US" dirty="0"/>
+                        <a:t>98</a:t>
+                      </a:r>
+                    </a:p>
+                  </a:txBody>
+                  <a:tcPr>
+                    <a:solidFill>
+                      <a:srgbClr val="92D050"/>
+                    </a:solidFill>
+                  </a:tcPr>
+                </a:tc>
+                <a:extLst>
+                  <a:ext uri="{0D108BD9-81ED-4DB2-BD59-A6C34878D82A}">
+                    <a16:rowId xmlns:a16="http://schemas.microsoft.com/office/drawing/2014/main" val="1253032870"/>
+                  </a:ext>
+                </a:extLst>
+              </a:tr>
+              <a:tr h="370840">
+                <a:tc>
+                  <a:txBody>
+                    <a:bodyPr/>
+                    <a:lstStyle/>
+                    <a:p>
+                      <a:r>
+                        <a:rPr lang="en-US" dirty="0"/>
+                        <a:t>A</a:t>
+                      </a:r>
+                    </a:p>
+                  </a:txBody>
+                  <a:tcPr>
+                    <a:solidFill>
+                      <a:srgbClr val="FFFF00"/>
+                    </a:solidFill>
+                  </a:tcPr>
+                </a:tc>
+                <a:tc>
+                  <a:txBody>
+                    <a:bodyPr/>
+                    <a:lstStyle/>
+                    <a:p>
+                      <a:r>
+                        <a:rPr lang="en-US" dirty="0"/>
+                        <a:t>Physics</a:t>
+                      </a:r>
+                    </a:p>
+                  </a:txBody>
+                  <a:tcPr>
+                    <a:solidFill>
+                      <a:srgbClr val="FFFF00"/>
+                    </a:solidFill>
+                  </a:tcPr>
+                </a:tc>
+                <a:tc>
+                  <a:txBody>
+                    <a:bodyPr/>
+                    <a:lstStyle/>
+                    <a:p>
+                      <a:r>
+                        <a:rPr lang="en-US" dirty="0"/>
+                        <a:t>77</a:t>
+                      </a:r>
+                    </a:p>
+                  </a:txBody>
+                  <a:tcPr>
+                    <a:solidFill>
+                      <a:srgbClr val="FFFF00"/>
+                    </a:solidFill>
+                  </a:tcPr>
+                </a:tc>
+                <a:extLst>
+                  <a:ext uri="{0D108BD9-81ED-4DB2-BD59-A6C34878D82A}">
+                    <a16:rowId xmlns:a16="http://schemas.microsoft.com/office/drawing/2014/main" val="1265311203"/>
+                  </a:ext>
+                </a:extLst>
+              </a:tr>
+              <a:tr h="370840">
+                <a:tc>
+                  <a:txBody>
+                    <a:bodyPr/>
+                    <a:lstStyle/>
+                    <a:p>
+                      <a:r>
+                        <a:rPr lang="en-US" dirty="0"/>
+                        <a:t>A</a:t>
+                      </a:r>
+                    </a:p>
+                  </a:txBody>
+                  <a:tcPr>
+                    <a:solidFill>
+                      <a:srgbClr val="FFFF00"/>
+                    </a:solidFill>
+                  </a:tcPr>
+                </a:tc>
+                <a:tc>
+                  <a:txBody>
+                    <a:bodyPr/>
+                    <a:lstStyle/>
+                    <a:p>
+                      <a:r>
+                        <a:rPr lang="en-US" dirty="0"/>
+                        <a:t>English</a:t>
+                      </a:r>
+                    </a:p>
+                  </a:txBody>
+                  <a:tcPr>
+                    <a:solidFill>
+                      <a:srgbClr val="FFFF00"/>
+                    </a:solidFill>
+                  </a:tcPr>
+                </a:tc>
+                <a:tc>
+                  <a:txBody>
+                    <a:bodyPr/>
+                    <a:lstStyle/>
+                    <a:p>
+                      <a:r>
+                        <a:rPr lang="en-US" dirty="0"/>
+                        <a:t>98</a:t>
+                      </a:r>
+                    </a:p>
+                  </a:txBody>
+                  <a:tcPr>
+                    <a:solidFill>
+                      <a:srgbClr val="FFFF00"/>
+                    </a:solidFill>
+                  </a:tcPr>
+                </a:tc>
+                <a:extLst>
+                  <a:ext uri="{0D108BD9-81ED-4DB2-BD59-A6C34878D82A}">
+                    <a16:rowId xmlns:a16="http://schemas.microsoft.com/office/drawing/2014/main" val="793745024"/>
+                  </a:ext>
+                </a:extLst>
+              </a:tr>
+              <a:tr h="370840">
+                <a:tc>
+                  <a:txBody>
+                    <a:bodyPr/>
+                    <a:lstStyle/>
+                    <a:p>
+                      <a:r>
+                        <a:rPr lang="en-US" dirty="0"/>
+                        <a:t>C</a:t>
+                      </a:r>
+                    </a:p>
+                  </a:txBody>
+                  <a:tcPr>
+                    <a:solidFill>
+                      <a:srgbClr val="00B0F0"/>
+                    </a:solidFill>
+                  </a:tcPr>
+                </a:tc>
+                <a:tc>
+                  <a:txBody>
+                    <a:bodyPr/>
+                    <a:lstStyle/>
+                    <a:p>
+                      <a:r>
+                        <a:rPr lang="en-US" dirty="0"/>
+                        <a:t>Math</a:t>
+                      </a:r>
+                    </a:p>
+                  </a:txBody>
+                  <a:tcPr>
+                    <a:solidFill>
+                      <a:srgbClr val="00B0F0"/>
+                    </a:solidFill>
+                  </a:tcPr>
+                </a:tc>
+                <a:tc>
+                  <a:txBody>
+                    <a:bodyPr/>
+                    <a:lstStyle/>
+                    <a:p>
+                      <a:r>
+                        <a:rPr lang="en-US" dirty="0"/>
+                        <a:t>95</a:t>
+                      </a:r>
+                    </a:p>
+                  </a:txBody>
+                  <a:tcPr>
+                    <a:solidFill>
+                      <a:srgbClr val="00B0F0"/>
+                    </a:solidFill>
+                  </a:tcPr>
+                </a:tc>
+                <a:extLst>
+                  <a:ext uri="{0D108BD9-81ED-4DB2-BD59-A6C34878D82A}">
+                    <a16:rowId xmlns:a16="http://schemas.microsoft.com/office/drawing/2014/main" val="3214000941"/>
+                  </a:ext>
+                </a:extLst>
+              </a:tr>
+              <a:tr h="370840">
+                <a:tc>
+                  <a:txBody>
+                    <a:bodyPr/>
+                    <a:lstStyle/>
+                    <a:p>
+                      <a:r>
+                        <a:rPr lang="en-US" dirty="0"/>
+                        <a:t>C</a:t>
+                      </a:r>
+                    </a:p>
+                  </a:txBody>
+                  <a:tcPr>
+                    <a:solidFill>
+                      <a:srgbClr val="00B0F0"/>
+                    </a:solidFill>
+                  </a:tcPr>
+                </a:tc>
+                <a:tc>
+                  <a:txBody>
+                    <a:bodyPr/>
+                    <a:lstStyle/>
+                    <a:p>
+                      <a:r>
+                        <a:rPr lang="en-US" dirty="0"/>
+                        <a:t>English</a:t>
+                      </a:r>
+                    </a:p>
+                  </a:txBody>
+                  <a:tcPr>
+                    <a:solidFill>
+                      <a:srgbClr val="00B0F0"/>
+                    </a:solidFill>
+                  </a:tcPr>
+                </a:tc>
+                <a:tc>
+                  <a:txBody>
+                    <a:bodyPr/>
+                    <a:lstStyle/>
+                    <a:p>
+                      <a:r>
+                        <a:rPr lang="en-US" dirty="0"/>
+                        <a:t>92</a:t>
+                      </a:r>
+                    </a:p>
+                  </a:txBody>
+                  <a:tcPr>
+                    <a:solidFill>
+                      <a:srgbClr val="00B0F0"/>
+                    </a:solidFill>
+                  </a:tcPr>
+                </a:tc>
+                <a:extLst>
+                  <a:ext uri="{0D108BD9-81ED-4DB2-BD59-A6C34878D82A}">
+                    <a16:rowId xmlns:a16="http://schemas.microsoft.com/office/drawing/2014/main" val="2094805402"/>
+                  </a:ext>
+                </a:extLst>
+              </a:tr>
+              <a:tr h="370840">
+                <a:tc>
+                  <a:txBody>
+                    <a:bodyPr/>
+                    <a:lstStyle/>
+                    <a:p>
+                      <a:r>
+                        <a:rPr lang="en-US" dirty="0"/>
+                        <a:t>B</a:t>
+                      </a:r>
+                    </a:p>
+                  </a:txBody>
+                  <a:tcPr>
+                    <a:solidFill>
+                      <a:srgbClr val="92D050"/>
+                    </a:solidFill>
+                  </a:tcPr>
+                </a:tc>
+                <a:tc>
+                  <a:txBody>
+                    <a:bodyPr/>
+                    <a:lstStyle/>
+                    <a:p>
+                      <a:r>
+                        <a:rPr lang="en-US" dirty="0"/>
+                        <a:t>English</a:t>
+                      </a:r>
+                    </a:p>
+                  </a:txBody>
+                  <a:tcPr>
+                    <a:solidFill>
+                      <a:srgbClr val="92D050"/>
+                    </a:solidFill>
+                  </a:tcPr>
+                </a:tc>
+                <a:tc>
+                  <a:txBody>
+                    <a:bodyPr/>
+                    <a:lstStyle/>
+                    <a:p>
+                      <a:r>
+                        <a:rPr lang="en-US" dirty="0"/>
+                        <a:t>68</a:t>
+                      </a:r>
+                    </a:p>
+                  </a:txBody>
+                  <a:tcPr>
+                    <a:solidFill>
+                      <a:srgbClr val="92D050"/>
+                    </a:solidFill>
+                  </a:tcPr>
+                </a:tc>
+                <a:extLst>
+                  <a:ext uri="{0D108BD9-81ED-4DB2-BD59-A6C34878D82A}">
+                    <a16:rowId xmlns:a16="http://schemas.microsoft.com/office/drawing/2014/main" val="3633837940"/>
+                  </a:ext>
+                </a:extLst>
+              </a:tr>
+              <a:tr h="370840">
+                <a:tc>
+                  <a:txBody>
+                    <a:bodyPr/>
+                    <a:lstStyle/>
+                    <a:p>
+                      <a:r>
+                        <a:rPr lang="en-US" dirty="0"/>
+                        <a:t>B</a:t>
+                      </a:r>
+                    </a:p>
+                  </a:txBody>
+                  <a:tcPr>
+                    <a:solidFill>
+                      <a:srgbClr val="92D050"/>
+                    </a:solidFill>
+                  </a:tcPr>
+                </a:tc>
+                <a:tc>
+                  <a:txBody>
+                    <a:bodyPr/>
+                    <a:lstStyle/>
+                    <a:p>
+                      <a:r>
+                        <a:rPr lang="en-US" dirty="0"/>
+                        <a:t>Physics</a:t>
+                      </a:r>
+                    </a:p>
+                  </a:txBody>
+                  <a:tcPr>
+                    <a:solidFill>
+                      <a:srgbClr val="92D050"/>
+                    </a:solidFill>
+                  </a:tcPr>
+                </a:tc>
+                <a:tc>
+                  <a:txBody>
+                    <a:bodyPr/>
+                    <a:lstStyle/>
+                    <a:p>
+                      <a:r>
+                        <a:rPr lang="en-US" dirty="0"/>
+                        <a:t>99</a:t>
+                      </a:r>
+                    </a:p>
+                  </a:txBody>
+                  <a:tcPr>
+                    <a:solidFill>
+                      <a:srgbClr val="92D050"/>
+                    </a:solidFill>
+                  </a:tcPr>
+                </a:tc>
+                <a:extLst>
+                  <a:ext uri="{0D108BD9-81ED-4DB2-BD59-A6C34878D82A}">
+                    <a16:rowId xmlns:a16="http://schemas.microsoft.com/office/drawing/2014/main" val="1021688529"/>
+                  </a:ext>
+                </a:extLst>
+              </a:tr>
+              <a:tr h="370840">
+                <a:tc>
+                  <a:txBody>
+                    <a:bodyPr/>
+                    <a:lstStyle/>
+                    <a:p>
+                      <a:r>
+                        <a:rPr lang="en-US" dirty="0"/>
+                        <a:t>C</a:t>
+                      </a:r>
+                    </a:p>
+                  </a:txBody>
+                  <a:tcPr>
+                    <a:solidFill>
+                      <a:srgbClr val="00B0F0"/>
+                    </a:solidFill>
+                  </a:tcPr>
+                </a:tc>
+                <a:tc>
+                  <a:txBody>
+                    <a:bodyPr/>
+                    <a:lstStyle/>
+                    <a:p>
+                      <a:r>
+                        <a:rPr lang="en-US" dirty="0"/>
+                        <a:t>Physics</a:t>
+                      </a:r>
+                    </a:p>
+                  </a:txBody>
+                  <a:tcPr>
+                    <a:solidFill>
+                      <a:srgbClr val="00B0F0"/>
+                    </a:solidFill>
+                  </a:tcPr>
+                </a:tc>
+                <a:tc>
+                  <a:txBody>
+                    <a:bodyPr/>
+                    <a:lstStyle/>
+                    <a:p>
+                      <a:r>
+                        <a:rPr lang="en-US" dirty="0"/>
+                        <a:t>98</a:t>
+                      </a:r>
+                    </a:p>
+                  </a:txBody>
+                  <a:tcPr>
+                    <a:solidFill>
+                      <a:srgbClr val="00B0F0"/>
+                    </a:solidFill>
+                  </a:tcPr>
+                </a:tc>
+                <a:extLst>
+                  <a:ext uri="{0D108BD9-81ED-4DB2-BD59-A6C34878D82A}">
+                    <a16:rowId xmlns:a16="http://schemas.microsoft.com/office/drawing/2014/main" val="266400247"/>
+                  </a:ext>
+                </a:extLst>
+              </a:tr>
+            </a:tbl>
+          </a:graphicData>
+        </a:graphic>
+      </p:graphicFrame>
+      <p:graphicFrame>
+        <p:nvGraphicFramePr>
+          <p:cNvPr id="9" name="Table 4">
+            <a:extLst>
+              <a:ext uri="{FF2B5EF4-FFF2-40B4-BE49-F238E27FC236}">
+                <a16:creationId xmlns:a16="http://schemas.microsoft.com/office/drawing/2014/main" id="{D40E3712-ABFB-4C4C-AF4D-0EFD841A1791}"/>
+              </a:ext>
+            </a:extLst>
+          </p:cNvPr>
+          <p:cNvGraphicFramePr>
+            <a:graphicFrameLocks noGrp="1"/>
+          </p:cNvGraphicFramePr>
+          <p:nvPr>
+            <p:extLst>
+              <p:ext uri="{D42A27DB-BD31-4B8C-83A1-F6EECF244321}">
+                <p14:modId xmlns:p14="http://schemas.microsoft.com/office/powerpoint/2010/main" val="2037159878"/>
+              </p:ext>
+            </p:extLst>
+          </p:nvPr>
+        </p:nvGraphicFramePr>
+        <p:xfrm>
+          <a:off x="4277690" y="1107661"/>
+          <a:ext cx="4210326" cy="1483360"/>
+        </p:xfrm>
+        <a:graphic>
+          <a:graphicData uri="http://schemas.openxmlformats.org/drawingml/2006/table">
+            <a:tbl>
+              <a:tblPr firstRow="1" bandRow="1">
+                <a:tableStyleId>{7E9639D4-E3E2-4D34-9284-5A2195B3D0D7}</a:tableStyleId>
+              </a:tblPr>
+              <a:tblGrid>
+                <a:gridCol w="889134">
+                  <a:extLst>
+                    <a:ext uri="{9D8B030D-6E8A-4147-A177-3AD203B41FA5}">
+                      <a16:colId xmlns:a16="http://schemas.microsoft.com/office/drawing/2014/main" val="1932181827"/>
+                    </a:ext>
+                  </a:extLst>
+                </a:gridCol>
+                <a:gridCol w="1149960">
+                  <a:extLst>
+                    <a:ext uri="{9D8B030D-6E8A-4147-A177-3AD203B41FA5}">
+                      <a16:colId xmlns:a16="http://schemas.microsoft.com/office/drawing/2014/main" val="3852926354"/>
+                    </a:ext>
+                  </a:extLst>
+                </a:gridCol>
+                <a:gridCol w="1085616">
+                  <a:extLst>
+                    <a:ext uri="{9D8B030D-6E8A-4147-A177-3AD203B41FA5}">
+                      <a16:colId xmlns:a16="http://schemas.microsoft.com/office/drawing/2014/main" val="1794018741"/>
+                    </a:ext>
+                  </a:extLst>
+                </a:gridCol>
+                <a:gridCol w="1085616">
+                  <a:extLst>
+                    <a:ext uri="{9D8B030D-6E8A-4147-A177-3AD203B41FA5}">
+                      <a16:colId xmlns:a16="http://schemas.microsoft.com/office/drawing/2014/main" val="3952417942"/>
+                    </a:ext>
+                  </a:extLst>
+                </a:gridCol>
+              </a:tblGrid>
+              <a:tr h="370840">
+                <a:tc>
+                  <a:txBody>
+                    <a:bodyPr/>
+                    <a:lstStyle/>
+                    <a:p>
+                      <a:r>
+                        <a:rPr lang="en-US" dirty="0"/>
+                        <a:t>Name</a:t>
+                      </a:r>
+                    </a:p>
+                  </a:txBody>
+                  <a:tcPr/>
+                </a:tc>
+                <a:tc>
+                  <a:txBody>
+                    <a:bodyPr/>
+                    <a:lstStyle/>
+                    <a:p>
+                      <a:r>
+                        <a:rPr lang="en-US" dirty="0"/>
+                        <a:t>Math</a:t>
+                      </a:r>
+                    </a:p>
+                  </a:txBody>
+                  <a:tcPr/>
+                </a:tc>
+                <a:tc>
+                  <a:txBody>
+                    <a:bodyPr/>
+                    <a:lstStyle/>
+                    <a:p>
+                      <a:r>
+                        <a:rPr lang="en-US" dirty="0"/>
+                        <a:t>English</a:t>
+                      </a:r>
+                    </a:p>
+                  </a:txBody>
+                  <a:tcPr/>
+                </a:tc>
+                <a:tc>
+                  <a:txBody>
+                    <a:bodyPr/>
+                    <a:lstStyle/>
+                    <a:p>
+                      <a:r>
+                        <a:rPr lang="en-US" dirty="0"/>
+                        <a:t>Physics</a:t>
+                      </a:r>
+                    </a:p>
+                  </a:txBody>
+                  <a:tcPr/>
+                </a:tc>
+                <a:extLst>
+                  <a:ext uri="{0D108BD9-81ED-4DB2-BD59-A6C34878D82A}">
+                    <a16:rowId xmlns:a16="http://schemas.microsoft.com/office/drawing/2014/main" val="186318127"/>
+                  </a:ext>
+                </a:extLst>
+              </a:tr>
+              <a:tr h="370840">
+                <a:tc>
+                  <a:txBody>
+                    <a:bodyPr/>
+                    <a:lstStyle/>
+                    <a:p>
+                      <a:r>
+                        <a:rPr lang="en-US" dirty="0"/>
+                        <a:t>A</a:t>
+                      </a:r>
+                    </a:p>
+                  </a:txBody>
+                  <a:tcPr>
+                    <a:solidFill>
+                      <a:srgbClr val="FFFF00"/>
+                    </a:solidFill>
+                  </a:tcPr>
+                </a:tc>
+                <a:tc>
+                  <a:txBody>
+                    <a:bodyPr/>
+                    <a:lstStyle/>
+                    <a:p>
+                      <a:r>
+                        <a:rPr lang="en-US" dirty="0"/>
+                        <a:t>87</a:t>
+                      </a:r>
+                    </a:p>
+                  </a:txBody>
+                  <a:tcPr>
+                    <a:solidFill>
+                      <a:srgbClr val="FFFF00"/>
+                    </a:solidFill>
+                  </a:tcPr>
+                </a:tc>
+                <a:tc>
+                  <a:txBody>
+                    <a:bodyPr/>
+                    <a:lstStyle/>
+                    <a:p>
+                      <a:r>
+                        <a:rPr lang="en-US" dirty="0"/>
+                        <a:t>98</a:t>
+                      </a:r>
+                    </a:p>
+                  </a:txBody>
+                  <a:tcPr>
+                    <a:solidFill>
+                      <a:srgbClr val="FFFF00"/>
+                    </a:solidFill>
+                  </a:tcPr>
+                </a:tc>
+                <a:tc>
+                  <a:txBody>
+                    <a:bodyPr/>
+                    <a:lstStyle/>
+                    <a:p>
+                      <a:r>
+                        <a:rPr lang="en-US" dirty="0"/>
+                        <a:t>77</a:t>
+                      </a:r>
+                    </a:p>
+                  </a:txBody>
+                  <a:tcPr>
+                    <a:solidFill>
+                      <a:srgbClr val="FFFF00"/>
+                    </a:solidFill>
+                  </a:tcPr>
+                </a:tc>
+                <a:extLst>
+                  <a:ext uri="{0D108BD9-81ED-4DB2-BD59-A6C34878D82A}">
+                    <a16:rowId xmlns:a16="http://schemas.microsoft.com/office/drawing/2014/main" val="3019183045"/>
+                  </a:ext>
+                </a:extLst>
+              </a:tr>
+              <a:tr h="370840">
+                <a:tc>
+                  <a:txBody>
+                    <a:bodyPr/>
+                    <a:lstStyle/>
+                    <a:p>
+                      <a:r>
+                        <a:rPr lang="en-US" dirty="0"/>
+                        <a:t>B</a:t>
+                      </a:r>
+                    </a:p>
+                  </a:txBody>
+                  <a:tcPr>
+                    <a:solidFill>
+                      <a:srgbClr val="92D050"/>
+                    </a:solidFill>
+                  </a:tcPr>
+                </a:tc>
+                <a:tc>
+                  <a:txBody>
+                    <a:bodyPr/>
+                    <a:lstStyle/>
+                    <a:p>
+                      <a:r>
+                        <a:rPr lang="en-US" dirty="0"/>
+                        <a:t>98</a:t>
+                      </a:r>
+                    </a:p>
+                  </a:txBody>
+                  <a:tcPr>
+                    <a:solidFill>
+                      <a:srgbClr val="92D050"/>
+                    </a:solidFill>
+                  </a:tcPr>
+                </a:tc>
+                <a:tc>
+                  <a:txBody>
+                    <a:bodyPr/>
+                    <a:lstStyle/>
+                    <a:p>
+                      <a:r>
+                        <a:rPr lang="en-US" dirty="0"/>
+                        <a:t>68</a:t>
+                      </a:r>
+                    </a:p>
+                  </a:txBody>
+                  <a:tcPr>
+                    <a:solidFill>
+                      <a:srgbClr val="92D050"/>
+                    </a:solidFill>
+                  </a:tcPr>
+                </a:tc>
+                <a:tc>
+                  <a:txBody>
+                    <a:bodyPr/>
+                    <a:lstStyle/>
+                    <a:p>
+                      <a:r>
+                        <a:rPr lang="en-US" dirty="0"/>
+                        <a:t>99</a:t>
+                      </a:r>
+                    </a:p>
+                  </a:txBody>
+                  <a:tcPr>
+                    <a:solidFill>
+                      <a:srgbClr val="92D050"/>
+                    </a:solidFill>
+                  </a:tcPr>
+                </a:tc>
+                <a:extLst>
+                  <a:ext uri="{0D108BD9-81ED-4DB2-BD59-A6C34878D82A}">
+                    <a16:rowId xmlns:a16="http://schemas.microsoft.com/office/drawing/2014/main" val="793745024"/>
+                  </a:ext>
+                </a:extLst>
+              </a:tr>
+              <a:tr h="370840">
+                <a:tc>
+                  <a:txBody>
+                    <a:bodyPr/>
+                    <a:lstStyle/>
+                    <a:p>
+                      <a:r>
+                        <a:rPr lang="en-US" dirty="0"/>
+                        <a:t>C</a:t>
+                      </a:r>
+                    </a:p>
+                  </a:txBody>
+                  <a:tcPr>
+                    <a:solidFill>
+                      <a:srgbClr val="00B0F0"/>
+                    </a:solidFill>
+                  </a:tcPr>
+                </a:tc>
+                <a:tc>
+                  <a:txBody>
+                    <a:bodyPr/>
+                    <a:lstStyle/>
+                    <a:p>
+                      <a:r>
+                        <a:rPr lang="en-US" dirty="0"/>
+                        <a:t>95</a:t>
+                      </a:r>
+                    </a:p>
+                  </a:txBody>
+                  <a:tcPr>
+                    <a:solidFill>
+                      <a:srgbClr val="00B0F0"/>
+                    </a:solidFill>
+                  </a:tcPr>
+                </a:tc>
+                <a:tc>
+                  <a:txBody>
+                    <a:bodyPr/>
+                    <a:lstStyle/>
+                    <a:p>
+                      <a:r>
+                        <a:rPr lang="en-US" dirty="0"/>
+                        <a:t>92</a:t>
+                      </a:r>
+                    </a:p>
+                  </a:txBody>
+                  <a:tcPr>
+                    <a:solidFill>
+                      <a:srgbClr val="00B0F0"/>
+                    </a:solidFill>
+                  </a:tcPr>
+                </a:tc>
+                <a:tc>
+                  <a:txBody>
+                    <a:bodyPr/>
+                    <a:lstStyle/>
+                    <a:p>
+                      <a:r>
+                        <a:rPr lang="en-US" dirty="0"/>
+                        <a:t>98</a:t>
+                      </a:r>
+                    </a:p>
+                  </a:txBody>
+                  <a:tcPr>
+                    <a:solidFill>
+                      <a:srgbClr val="00B0F0"/>
+                    </a:solidFill>
+                  </a:tcPr>
+                </a:tc>
+                <a:extLst>
+                  <a:ext uri="{0D108BD9-81ED-4DB2-BD59-A6C34878D82A}">
+                    <a16:rowId xmlns:a16="http://schemas.microsoft.com/office/drawing/2014/main" val="3633837940"/>
+                  </a:ext>
+                </a:extLst>
+              </a:tr>
+            </a:tbl>
+          </a:graphicData>
+        </a:graphic>
+      </p:graphicFrame>
+      <p:sp>
+        <p:nvSpPr>
+          <p:cNvPr id="10" name="TextBox 9">
+            <a:extLst>
+              <a:ext uri="{FF2B5EF4-FFF2-40B4-BE49-F238E27FC236}">
+                <a16:creationId xmlns:a16="http://schemas.microsoft.com/office/drawing/2014/main" id="{0EEA0D15-8AA1-47C2-BD30-317DD787C33E}"/>
+              </a:ext>
+            </a:extLst>
+          </p:cNvPr>
+          <p:cNvSpPr txBox="1"/>
+          <p:nvPr/>
+        </p:nvSpPr>
+        <p:spPr>
+          <a:xfrm>
+            <a:off x="1565504" y="625061"/>
+            <a:ext cx="1103059" cy="369332"/>
+          </a:xfrm>
+          <a:prstGeom prst="rect">
+            <a:avLst/>
+          </a:prstGeom>
+          <a:noFill/>
+        </p:spPr>
+        <p:txBody>
+          <a:bodyPr wrap="none" rtlCol="0">
+            <a:spAutoFit/>
+          </a:bodyPr>
+          <a:lstStyle/>
+          <a:p>
+            <a:r>
+              <a:rPr lang="en-US" dirty="0"/>
+              <a:t>Long data</a:t>
+            </a:r>
+          </a:p>
+        </p:txBody>
+      </p:sp>
+      <p:sp>
+        <p:nvSpPr>
+          <p:cNvPr id="11" name="TextBox 10">
+            <a:extLst>
+              <a:ext uri="{FF2B5EF4-FFF2-40B4-BE49-F238E27FC236}">
+                <a16:creationId xmlns:a16="http://schemas.microsoft.com/office/drawing/2014/main" id="{5EE041F6-B0D8-4370-A273-AB308E526C08}"/>
+              </a:ext>
+            </a:extLst>
+          </p:cNvPr>
+          <p:cNvSpPr txBox="1"/>
+          <p:nvPr/>
+        </p:nvSpPr>
+        <p:spPr>
+          <a:xfrm>
+            <a:off x="5831323" y="625061"/>
+            <a:ext cx="1147943" cy="369332"/>
+          </a:xfrm>
+          <a:prstGeom prst="rect">
+            <a:avLst/>
+          </a:prstGeom>
+          <a:noFill/>
+        </p:spPr>
+        <p:txBody>
+          <a:bodyPr wrap="none" rtlCol="0">
+            <a:spAutoFit/>
+          </a:bodyPr>
+          <a:lstStyle/>
+          <a:p>
+            <a:r>
+              <a:rPr lang="en-US" dirty="0"/>
+              <a:t>Wide data</a:t>
+            </a:r>
+          </a:p>
+        </p:txBody>
+      </p:sp>
+    </p:spTree>
+    <p:extLst>
+      <p:ext uri="{BB962C8B-B14F-4D97-AF65-F5344CB8AC3E}">
+        <p14:creationId xmlns:p14="http://schemas.microsoft.com/office/powerpoint/2010/main" val="377782662"/>
+      </p:ext>
+    </p:extLst>
+  </p:cSld>
+  <p:clrMapOvr>
+    <a:masterClrMapping/>
+  </p:clrMapOvr>
+</p:sld>
+</file>
+
 <file path=ppt/theme/theme1.xml><?xml version="1.0" encoding="utf-8"?>
 <a:theme xmlns:a="http://schemas.openxmlformats.org/drawingml/2006/main" name="Office Theme">
   <a:themeElements>
